--- a/ppt 16-9/0271.主在门口.pptx
+++ b/ppt 16-9/0271.主在门口.pptx
@@ -129,7 +129,7 @@
           <p:cNvPr id="2" name="标题 1">
             <a:extLst>
               <a:ext uri="{FF2B5EF4-FFF2-40B4-BE49-F238E27FC236}">
-                <a16:creationId xmlns:a16="http://schemas.microsoft.com/office/drawing/2014/main" id="{4DB8A528-07A3-709A-6BDB-AE18771D8B30}"/>
+                <a16:creationId xmlns:a16="http://schemas.microsoft.com/office/drawing/2014/main" id="{DB66DF1C-CF4E-E5C3-5B51-A2A9522E9F1F}"/>
               </a:ext>
             </a:extLst>
           </p:cNvPr>
@@ -166,7 +166,7 @@
           <p:cNvPr id="3" name="副标题 2">
             <a:extLst>
               <a:ext uri="{FF2B5EF4-FFF2-40B4-BE49-F238E27FC236}">
-                <a16:creationId xmlns:a16="http://schemas.microsoft.com/office/drawing/2014/main" id="{699E48A8-18B4-D0F0-B46C-D5348BF8BBFE}"/>
+                <a16:creationId xmlns:a16="http://schemas.microsoft.com/office/drawing/2014/main" id="{8FF517D6-D9C5-B315-4F56-B64111615F74}"/>
               </a:ext>
             </a:extLst>
           </p:cNvPr>
@@ -236,7 +236,7 @@
           <p:cNvPr id="4" name="日期占位符 3">
             <a:extLst>
               <a:ext uri="{FF2B5EF4-FFF2-40B4-BE49-F238E27FC236}">
-                <a16:creationId xmlns:a16="http://schemas.microsoft.com/office/drawing/2014/main" id="{563D9CC1-8B13-9794-CB96-A3C4C97A8674}"/>
+                <a16:creationId xmlns:a16="http://schemas.microsoft.com/office/drawing/2014/main" id="{F6CEF016-E6E0-3AA6-0D84-2E555A34D4B9}"/>
               </a:ext>
             </a:extLst>
           </p:cNvPr>
@@ -252,7 +252,7 @@
           <a:bodyPr/>
           <a:lstStyle/>
           <a:p>
-            <a:fld id="{475BD5A6-295E-48BA-9FE7-3344F2499B57}" type="datetimeFigureOut">
+            <a:fld id="{A26A83E8-B5D6-4713-B4C4-A29176BF938B}" type="datetimeFigureOut">
               <a:rPr lang="zh-CN" altLang="en-US" smtClean="0"/>
               <a:t>2024/3/10</a:t>
             </a:fld>
@@ -265,7 +265,7 @@
           <p:cNvPr id="5" name="页脚占位符 4">
             <a:extLst>
               <a:ext uri="{FF2B5EF4-FFF2-40B4-BE49-F238E27FC236}">
-                <a16:creationId xmlns:a16="http://schemas.microsoft.com/office/drawing/2014/main" id="{E2E45B48-9962-5059-CA5A-E01A79D8AED3}"/>
+                <a16:creationId xmlns:a16="http://schemas.microsoft.com/office/drawing/2014/main" id="{BAC7C591-70F8-8D78-BC74-0DEF8B453893}"/>
               </a:ext>
             </a:extLst>
           </p:cNvPr>
@@ -290,7 +290,7 @@
           <p:cNvPr id="6" name="灯片编号占位符 5">
             <a:extLst>
               <a:ext uri="{FF2B5EF4-FFF2-40B4-BE49-F238E27FC236}">
-                <a16:creationId xmlns:a16="http://schemas.microsoft.com/office/drawing/2014/main" id="{841483C8-1B0D-8A89-C4C0-3AD7238C7C0F}"/>
+                <a16:creationId xmlns:a16="http://schemas.microsoft.com/office/drawing/2014/main" id="{4EB86F79-2BCB-1D5C-D1D6-217EF2E1D867}"/>
               </a:ext>
             </a:extLst>
           </p:cNvPr>
@@ -306,7 +306,7 @@
           <a:bodyPr/>
           <a:lstStyle/>
           <a:p>
-            <a:fld id="{F6513CCC-8FB1-4AB3-9D6F-6007821C0172}" type="slidenum">
+            <a:fld id="{32AF8231-7BFC-4D22-A385-181A9009074C}" type="slidenum">
               <a:rPr lang="zh-CN" altLang="en-US" smtClean="0"/>
               <a:t>‹#›</a:t>
             </a:fld>
@@ -317,7 +317,7 @@
     </p:spTree>
     <p:extLst>
       <p:ext uri="{BB962C8B-B14F-4D97-AF65-F5344CB8AC3E}">
-        <p14:creationId xmlns:p14="http://schemas.microsoft.com/office/powerpoint/2010/main" val="3725183901"/>
+        <p14:creationId xmlns:p14="http://schemas.microsoft.com/office/powerpoint/2010/main" val="2289201268"/>
       </p:ext>
     </p:extLst>
   </p:cSld>
@@ -349,7 +349,7 @@
           <p:cNvPr id="2" name="标题 1">
             <a:extLst>
               <a:ext uri="{FF2B5EF4-FFF2-40B4-BE49-F238E27FC236}">
-                <a16:creationId xmlns:a16="http://schemas.microsoft.com/office/drawing/2014/main" id="{28A99BF5-21F0-D195-9E23-1465B862B100}"/>
+                <a16:creationId xmlns:a16="http://schemas.microsoft.com/office/drawing/2014/main" id="{7CE7A943-49A5-32F0-2CB4-5D7ABEE3C300}"/>
               </a:ext>
             </a:extLst>
           </p:cNvPr>
@@ -377,7 +377,7 @@
           <p:cNvPr id="3" name="竖排文字占位符 2">
             <a:extLst>
               <a:ext uri="{FF2B5EF4-FFF2-40B4-BE49-F238E27FC236}">
-                <a16:creationId xmlns:a16="http://schemas.microsoft.com/office/drawing/2014/main" id="{B86A8233-EF7A-F1AB-FF49-4D6DD3ED7DFA}"/>
+                <a16:creationId xmlns:a16="http://schemas.microsoft.com/office/drawing/2014/main" id="{766C526B-7F59-C244-D3A7-2C48AECDA208}"/>
               </a:ext>
             </a:extLst>
           </p:cNvPr>
@@ -434,7 +434,7 @@
           <p:cNvPr id="4" name="日期占位符 3">
             <a:extLst>
               <a:ext uri="{FF2B5EF4-FFF2-40B4-BE49-F238E27FC236}">
-                <a16:creationId xmlns:a16="http://schemas.microsoft.com/office/drawing/2014/main" id="{6FE55D0A-6946-457F-C22D-A42117C82B5F}"/>
+                <a16:creationId xmlns:a16="http://schemas.microsoft.com/office/drawing/2014/main" id="{1C851BDE-4638-998D-0693-FA9377D14EA6}"/>
               </a:ext>
             </a:extLst>
           </p:cNvPr>
@@ -450,7 +450,7 @@
           <a:bodyPr/>
           <a:lstStyle/>
           <a:p>
-            <a:fld id="{475BD5A6-295E-48BA-9FE7-3344F2499B57}" type="datetimeFigureOut">
+            <a:fld id="{A26A83E8-B5D6-4713-B4C4-A29176BF938B}" type="datetimeFigureOut">
               <a:rPr lang="zh-CN" altLang="en-US" smtClean="0"/>
               <a:t>2024/3/10</a:t>
             </a:fld>
@@ -463,7 +463,7 @@
           <p:cNvPr id="5" name="页脚占位符 4">
             <a:extLst>
               <a:ext uri="{FF2B5EF4-FFF2-40B4-BE49-F238E27FC236}">
-                <a16:creationId xmlns:a16="http://schemas.microsoft.com/office/drawing/2014/main" id="{14D5D96A-C11B-67E1-FF63-231087FF77DD}"/>
+                <a16:creationId xmlns:a16="http://schemas.microsoft.com/office/drawing/2014/main" id="{A3494836-8898-B3EC-4DF9-FB482FE02D03}"/>
               </a:ext>
             </a:extLst>
           </p:cNvPr>
@@ -488,7 +488,7 @@
           <p:cNvPr id="6" name="灯片编号占位符 5">
             <a:extLst>
               <a:ext uri="{FF2B5EF4-FFF2-40B4-BE49-F238E27FC236}">
-                <a16:creationId xmlns:a16="http://schemas.microsoft.com/office/drawing/2014/main" id="{08CAB1B9-58D8-ABD6-C424-386C34D2D75E}"/>
+                <a16:creationId xmlns:a16="http://schemas.microsoft.com/office/drawing/2014/main" id="{7222F438-D98E-7C89-779A-D1C3C80915BF}"/>
               </a:ext>
             </a:extLst>
           </p:cNvPr>
@@ -504,7 +504,7 @@
           <a:bodyPr/>
           <a:lstStyle/>
           <a:p>
-            <a:fld id="{F6513CCC-8FB1-4AB3-9D6F-6007821C0172}" type="slidenum">
+            <a:fld id="{32AF8231-7BFC-4D22-A385-181A9009074C}" type="slidenum">
               <a:rPr lang="zh-CN" altLang="en-US" smtClean="0"/>
               <a:t>‹#›</a:t>
             </a:fld>
@@ -515,7 +515,7 @@
     </p:spTree>
     <p:extLst>
       <p:ext uri="{BB962C8B-B14F-4D97-AF65-F5344CB8AC3E}">
-        <p14:creationId xmlns:p14="http://schemas.microsoft.com/office/powerpoint/2010/main" val="1237706650"/>
+        <p14:creationId xmlns:p14="http://schemas.microsoft.com/office/powerpoint/2010/main" val="3904778928"/>
       </p:ext>
     </p:extLst>
   </p:cSld>
@@ -547,7 +547,7 @@
           <p:cNvPr id="2" name="竖排标题 1">
             <a:extLst>
               <a:ext uri="{FF2B5EF4-FFF2-40B4-BE49-F238E27FC236}">
-                <a16:creationId xmlns:a16="http://schemas.microsoft.com/office/drawing/2014/main" id="{161E5B9B-D517-7588-468B-0AC84C8C11CE}"/>
+                <a16:creationId xmlns:a16="http://schemas.microsoft.com/office/drawing/2014/main" id="{D649069D-52B0-C07F-BE9E-F1CE3D1F0834}"/>
               </a:ext>
             </a:extLst>
           </p:cNvPr>
@@ -580,7 +580,7 @@
           <p:cNvPr id="3" name="竖排文字占位符 2">
             <a:extLst>
               <a:ext uri="{FF2B5EF4-FFF2-40B4-BE49-F238E27FC236}">
-                <a16:creationId xmlns:a16="http://schemas.microsoft.com/office/drawing/2014/main" id="{EFC65614-CBD1-8813-32C2-E258C8DBFC9D}"/>
+                <a16:creationId xmlns:a16="http://schemas.microsoft.com/office/drawing/2014/main" id="{7B9D5421-C4D0-A569-4FA0-B7995BED80D0}"/>
               </a:ext>
             </a:extLst>
           </p:cNvPr>
@@ -642,7 +642,7 @@
           <p:cNvPr id="4" name="日期占位符 3">
             <a:extLst>
               <a:ext uri="{FF2B5EF4-FFF2-40B4-BE49-F238E27FC236}">
-                <a16:creationId xmlns:a16="http://schemas.microsoft.com/office/drawing/2014/main" id="{EC95FCBB-E195-38DD-6D6E-AF402D764C8F}"/>
+                <a16:creationId xmlns:a16="http://schemas.microsoft.com/office/drawing/2014/main" id="{27279A22-9C80-B1DF-4F56-2B870F525806}"/>
               </a:ext>
             </a:extLst>
           </p:cNvPr>
@@ -658,7 +658,7 @@
           <a:bodyPr/>
           <a:lstStyle/>
           <a:p>
-            <a:fld id="{475BD5A6-295E-48BA-9FE7-3344F2499B57}" type="datetimeFigureOut">
+            <a:fld id="{A26A83E8-B5D6-4713-B4C4-A29176BF938B}" type="datetimeFigureOut">
               <a:rPr lang="zh-CN" altLang="en-US" smtClean="0"/>
               <a:t>2024/3/10</a:t>
             </a:fld>
@@ -671,7 +671,7 @@
           <p:cNvPr id="5" name="页脚占位符 4">
             <a:extLst>
               <a:ext uri="{FF2B5EF4-FFF2-40B4-BE49-F238E27FC236}">
-                <a16:creationId xmlns:a16="http://schemas.microsoft.com/office/drawing/2014/main" id="{7B156B35-DF48-F4F3-A267-B161579CEC57}"/>
+                <a16:creationId xmlns:a16="http://schemas.microsoft.com/office/drawing/2014/main" id="{ED524D35-3F69-5373-B269-9AB4F24A2F24}"/>
               </a:ext>
             </a:extLst>
           </p:cNvPr>
@@ -696,7 +696,7 @@
           <p:cNvPr id="6" name="灯片编号占位符 5">
             <a:extLst>
               <a:ext uri="{FF2B5EF4-FFF2-40B4-BE49-F238E27FC236}">
-                <a16:creationId xmlns:a16="http://schemas.microsoft.com/office/drawing/2014/main" id="{8BB68B1E-8909-DB8B-A68B-0342EFB7B514}"/>
+                <a16:creationId xmlns:a16="http://schemas.microsoft.com/office/drawing/2014/main" id="{EA52E548-6FCD-4A15-A507-6A3D7EAD107D}"/>
               </a:ext>
             </a:extLst>
           </p:cNvPr>
@@ -712,7 +712,7 @@
           <a:bodyPr/>
           <a:lstStyle/>
           <a:p>
-            <a:fld id="{F6513CCC-8FB1-4AB3-9D6F-6007821C0172}" type="slidenum">
+            <a:fld id="{32AF8231-7BFC-4D22-A385-181A9009074C}" type="slidenum">
               <a:rPr lang="zh-CN" altLang="en-US" smtClean="0"/>
               <a:t>‹#›</a:t>
             </a:fld>
@@ -723,7 +723,7 @@
     </p:spTree>
     <p:extLst>
       <p:ext uri="{BB962C8B-B14F-4D97-AF65-F5344CB8AC3E}">
-        <p14:creationId xmlns:p14="http://schemas.microsoft.com/office/powerpoint/2010/main" val="1199683813"/>
+        <p14:creationId xmlns:p14="http://schemas.microsoft.com/office/powerpoint/2010/main" val="2951337686"/>
       </p:ext>
     </p:extLst>
   </p:cSld>
@@ -755,7 +755,7 @@
           <p:cNvPr id="2" name="标题 1">
             <a:extLst>
               <a:ext uri="{FF2B5EF4-FFF2-40B4-BE49-F238E27FC236}">
-                <a16:creationId xmlns:a16="http://schemas.microsoft.com/office/drawing/2014/main" id="{7940B8BE-70A8-74B9-FE91-4B3549C6D114}"/>
+                <a16:creationId xmlns:a16="http://schemas.microsoft.com/office/drawing/2014/main" id="{B66CE327-C937-8D7B-3832-07F691C14071}"/>
               </a:ext>
             </a:extLst>
           </p:cNvPr>
@@ -783,7 +783,7 @@
           <p:cNvPr id="3" name="内容占位符 2">
             <a:extLst>
               <a:ext uri="{FF2B5EF4-FFF2-40B4-BE49-F238E27FC236}">
-                <a16:creationId xmlns:a16="http://schemas.microsoft.com/office/drawing/2014/main" id="{D34AEB90-8C21-5BDB-1390-C76DE0CB0679}"/>
+                <a16:creationId xmlns:a16="http://schemas.microsoft.com/office/drawing/2014/main" id="{1A77C08C-4990-D5A2-8C46-1CB0B5411463}"/>
               </a:ext>
             </a:extLst>
           </p:cNvPr>
@@ -840,7 +840,7 @@
           <p:cNvPr id="4" name="日期占位符 3">
             <a:extLst>
               <a:ext uri="{FF2B5EF4-FFF2-40B4-BE49-F238E27FC236}">
-                <a16:creationId xmlns:a16="http://schemas.microsoft.com/office/drawing/2014/main" id="{E8332389-8AE9-077E-507E-BB71022B7DAA}"/>
+                <a16:creationId xmlns:a16="http://schemas.microsoft.com/office/drawing/2014/main" id="{296996E1-CCC7-3BC6-60E4-5DCC27BA682C}"/>
               </a:ext>
             </a:extLst>
           </p:cNvPr>
@@ -856,7 +856,7 @@
           <a:bodyPr/>
           <a:lstStyle/>
           <a:p>
-            <a:fld id="{475BD5A6-295E-48BA-9FE7-3344F2499B57}" type="datetimeFigureOut">
+            <a:fld id="{A26A83E8-B5D6-4713-B4C4-A29176BF938B}" type="datetimeFigureOut">
               <a:rPr lang="zh-CN" altLang="en-US" smtClean="0"/>
               <a:t>2024/3/10</a:t>
             </a:fld>
@@ -869,7 +869,7 @@
           <p:cNvPr id="5" name="页脚占位符 4">
             <a:extLst>
               <a:ext uri="{FF2B5EF4-FFF2-40B4-BE49-F238E27FC236}">
-                <a16:creationId xmlns:a16="http://schemas.microsoft.com/office/drawing/2014/main" id="{D9F50AEF-7026-F946-0739-5CA8ED35FDD1}"/>
+                <a16:creationId xmlns:a16="http://schemas.microsoft.com/office/drawing/2014/main" id="{A041F7D2-64A1-94FB-82A9-908ED531F4AC}"/>
               </a:ext>
             </a:extLst>
           </p:cNvPr>
@@ -894,7 +894,7 @@
           <p:cNvPr id="6" name="灯片编号占位符 5">
             <a:extLst>
               <a:ext uri="{FF2B5EF4-FFF2-40B4-BE49-F238E27FC236}">
-                <a16:creationId xmlns:a16="http://schemas.microsoft.com/office/drawing/2014/main" id="{B2C8E3DB-0113-FC92-2BFD-C4C4AA1C8011}"/>
+                <a16:creationId xmlns:a16="http://schemas.microsoft.com/office/drawing/2014/main" id="{D88B90F2-A2C6-E937-342F-67D6199DA6E1}"/>
               </a:ext>
             </a:extLst>
           </p:cNvPr>
@@ -910,7 +910,7 @@
           <a:bodyPr/>
           <a:lstStyle/>
           <a:p>
-            <a:fld id="{F6513CCC-8FB1-4AB3-9D6F-6007821C0172}" type="slidenum">
+            <a:fld id="{32AF8231-7BFC-4D22-A385-181A9009074C}" type="slidenum">
               <a:rPr lang="zh-CN" altLang="en-US" smtClean="0"/>
               <a:t>‹#›</a:t>
             </a:fld>
@@ -921,7 +921,7 @@
     </p:spTree>
     <p:extLst>
       <p:ext uri="{BB962C8B-B14F-4D97-AF65-F5344CB8AC3E}">
-        <p14:creationId xmlns:p14="http://schemas.microsoft.com/office/powerpoint/2010/main" val="1921354454"/>
+        <p14:creationId xmlns:p14="http://schemas.microsoft.com/office/powerpoint/2010/main" val="213453223"/>
       </p:ext>
     </p:extLst>
   </p:cSld>
@@ -953,7 +953,7 @@
           <p:cNvPr id="2" name="标题 1">
             <a:extLst>
               <a:ext uri="{FF2B5EF4-FFF2-40B4-BE49-F238E27FC236}">
-                <a16:creationId xmlns:a16="http://schemas.microsoft.com/office/drawing/2014/main" id="{FE28B9BE-AB53-FDFD-B897-E6E0167D870A}"/>
+                <a16:creationId xmlns:a16="http://schemas.microsoft.com/office/drawing/2014/main" id="{0333B037-9A54-AE78-9151-620E2949CA85}"/>
               </a:ext>
             </a:extLst>
           </p:cNvPr>
@@ -990,7 +990,7 @@
           <p:cNvPr id="3" name="文本占位符 2">
             <a:extLst>
               <a:ext uri="{FF2B5EF4-FFF2-40B4-BE49-F238E27FC236}">
-                <a16:creationId xmlns:a16="http://schemas.microsoft.com/office/drawing/2014/main" id="{DD82ADD7-C229-462C-19F1-1A091EBC6A9D}"/>
+                <a16:creationId xmlns:a16="http://schemas.microsoft.com/office/drawing/2014/main" id="{30A52283-C03F-45AA-45C3-146581628B67}"/>
               </a:ext>
             </a:extLst>
           </p:cNvPr>
@@ -1115,7 +1115,7 @@
           <p:cNvPr id="4" name="日期占位符 3">
             <a:extLst>
               <a:ext uri="{FF2B5EF4-FFF2-40B4-BE49-F238E27FC236}">
-                <a16:creationId xmlns:a16="http://schemas.microsoft.com/office/drawing/2014/main" id="{5341DA91-0E6A-FC1B-3FEF-4493E8419593}"/>
+                <a16:creationId xmlns:a16="http://schemas.microsoft.com/office/drawing/2014/main" id="{E82329B3-B654-3834-B202-AB9671159446}"/>
               </a:ext>
             </a:extLst>
           </p:cNvPr>
@@ -1131,7 +1131,7 @@
           <a:bodyPr/>
           <a:lstStyle/>
           <a:p>
-            <a:fld id="{475BD5A6-295E-48BA-9FE7-3344F2499B57}" type="datetimeFigureOut">
+            <a:fld id="{A26A83E8-B5D6-4713-B4C4-A29176BF938B}" type="datetimeFigureOut">
               <a:rPr lang="zh-CN" altLang="en-US" smtClean="0"/>
               <a:t>2024/3/10</a:t>
             </a:fld>
@@ -1144,7 +1144,7 @@
           <p:cNvPr id="5" name="页脚占位符 4">
             <a:extLst>
               <a:ext uri="{FF2B5EF4-FFF2-40B4-BE49-F238E27FC236}">
-                <a16:creationId xmlns:a16="http://schemas.microsoft.com/office/drawing/2014/main" id="{B653F8AF-0353-291B-38E2-CF403FF10563}"/>
+                <a16:creationId xmlns:a16="http://schemas.microsoft.com/office/drawing/2014/main" id="{0EF9A999-87BC-7DCA-98BE-7D5DE78E4021}"/>
               </a:ext>
             </a:extLst>
           </p:cNvPr>
@@ -1169,7 +1169,7 @@
           <p:cNvPr id="6" name="灯片编号占位符 5">
             <a:extLst>
               <a:ext uri="{FF2B5EF4-FFF2-40B4-BE49-F238E27FC236}">
-                <a16:creationId xmlns:a16="http://schemas.microsoft.com/office/drawing/2014/main" id="{0C00AA12-5E6A-18F5-3335-8CC13743D928}"/>
+                <a16:creationId xmlns:a16="http://schemas.microsoft.com/office/drawing/2014/main" id="{8FBDBE51-D729-7DBE-5136-BADACA5EDEDD}"/>
               </a:ext>
             </a:extLst>
           </p:cNvPr>
@@ -1185,7 +1185,7 @@
           <a:bodyPr/>
           <a:lstStyle/>
           <a:p>
-            <a:fld id="{F6513CCC-8FB1-4AB3-9D6F-6007821C0172}" type="slidenum">
+            <a:fld id="{32AF8231-7BFC-4D22-A385-181A9009074C}" type="slidenum">
               <a:rPr lang="zh-CN" altLang="en-US" smtClean="0"/>
               <a:t>‹#›</a:t>
             </a:fld>
@@ -1196,7 +1196,7 @@
     </p:spTree>
     <p:extLst>
       <p:ext uri="{BB962C8B-B14F-4D97-AF65-F5344CB8AC3E}">
-        <p14:creationId xmlns:p14="http://schemas.microsoft.com/office/powerpoint/2010/main" val="534884419"/>
+        <p14:creationId xmlns:p14="http://schemas.microsoft.com/office/powerpoint/2010/main" val="139953454"/>
       </p:ext>
     </p:extLst>
   </p:cSld>
@@ -1228,7 +1228,7 @@
           <p:cNvPr id="2" name="标题 1">
             <a:extLst>
               <a:ext uri="{FF2B5EF4-FFF2-40B4-BE49-F238E27FC236}">
-                <a16:creationId xmlns:a16="http://schemas.microsoft.com/office/drawing/2014/main" id="{CD9DEB0D-CA38-15D3-2B79-7C3C8A3C8259}"/>
+                <a16:creationId xmlns:a16="http://schemas.microsoft.com/office/drawing/2014/main" id="{CA7D1FA2-6C68-B3F7-FA90-12AE92893606}"/>
               </a:ext>
             </a:extLst>
           </p:cNvPr>
@@ -1256,7 +1256,7 @@
           <p:cNvPr id="3" name="内容占位符 2">
             <a:extLst>
               <a:ext uri="{FF2B5EF4-FFF2-40B4-BE49-F238E27FC236}">
-                <a16:creationId xmlns:a16="http://schemas.microsoft.com/office/drawing/2014/main" id="{02C13614-7E4C-8C48-56A0-BF0600BF98C8}"/>
+                <a16:creationId xmlns:a16="http://schemas.microsoft.com/office/drawing/2014/main" id="{45B5B22F-7804-7EDB-C918-5FC2AEB6FEA0}"/>
               </a:ext>
             </a:extLst>
           </p:cNvPr>
@@ -1318,7 +1318,7 @@
           <p:cNvPr id="4" name="内容占位符 3">
             <a:extLst>
               <a:ext uri="{FF2B5EF4-FFF2-40B4-BE49-F238E27FC236}">
-                <a16:creationId xmlns:a16="http://schemas.microsoft.com/office/drawing/2014/main" id="{032B98EA-F0E4-270C-0B21-B9386F0E0CA5}"/>
+                <a16:creationId xmlns:a16="http://schemas.microsoft.com/office/drawing/2014/main" id="{4B457CAE-55C7-0686-D6BB-549953419318}"/>
               </a:ext>
             </a:extLst>
           </p:cNvPr>
@@ -1380,7 +1380,7 @@
           <p:cNvPr id="5" name="日期占位符 4">
             <a:extLst>
               <a:ext uri="{FF2B5EF4-FFF2-40B4-BE49-F238E27FC236}">
-                <a16:creationId xmlns:a16="http://schemas.microsoft.com/office/drawing/2014/main" id="{BD141589-7B93-904F-CF2F-887D44966DAB}"/>
+                <a16:creationId xmlns:a16="http://schemas.microsoft.com/office/drawing/2014/main" id="{843179AF-1397-3E37-F1CB-633CCA6A89C0}"/>
               </a:ext>
             </a:extLst>
           </p:cNvPr>
@@ -1396,7 +1396,7 @@
           <a:bodyPr/>
           <a:lstStyle/>
           <a:p>
-            <a:fld id="{475BD5A6-295E-48BA-9FE7-3344F2499B57}" type="datetimeFigureOut">
+            <a:fld id="{A26A83E8-B5D6-4713-B4C4-A29176BF938B}" type="datetimeFigureOut">
               <a:rPr lang="zh-CN" altLang="en-US" smtClean="0"/>
               <a:t>2024/3/10</a:t>
             </a:fld>
@@ -1409,7 +1409,7 @@
           <p:cNvPr id="6" name="页脚占位符 5">
             <a:extLst>
               <a:ext uri="{FF2B5EF4-FFF2-40B4-BE49-F238E27FC236}">
-                <a16:creationId xmlns:a16="http://schemas.microsoft.com/office/drawing/2014/main" id="{004652CB-07C5-3D4C-EFCF-798A79D9FFFB}"/>
+                <a16:creationId xmlns:a16="http://schemas.microsoft.com/office/drawing/2014/main" id="{DA1F1BFE-B1EF-E518-E1E7-1D9EFA494785}"/>
               </a:ext>
             </a:extLst>
           </p:cNvPr>
@@ -1434,7 +1434,7 @@
           <p:cNvPr id="7" name="灯片编号占位符 6">
             <a:extLst>
               <a:ext uri="{FF2B5EF4-FFF2-40B4-BE49-F238E27FC236}">
-                <a16:creationId xmlns:a16="http://schemas.microsoft.com/office/drawing/2014/main" id="{D15FA294-9D03-064A-1200-1B85FAD88851}"/>
+                <a16:creationId xmlns:a16="http://schemas.microsoft.com/office/drawing/2014/main" id="{EF7EC3E5-0EB8-5949-BAEE-60B1C91EF61B}"/>
               </a:ext>
             </a:extLst>
           </p:cNvPr>
@@ -1450,7 +1450,7 @@
           <a:bodyPr/>
           <a:lstStyle/>
           <a:p>
-            <a:fld id="{F6513CCC-8FB1-4AB3-9D6F-6007821C0172}" type="slidenum">
+            <a:fld id="{32AF8231-7BFC-4D22-A385-181A9009074C}" type="slidenum">
               <a:rPr lang="zh-CN" altLang="en-US" smtClean="0"/>
               <a:t>‹#›</a:t>
             </a:fld>
@@ -1461,7 +1461,7 @@
     </p:spTree>
     <p:extLst>
       <p:ext uri="{BB962C8B-B14F-4D97-AF65-F5344CB8AC3E}">
-        <p14:creationId xmlns:p14="http://schemas.microsoft.com/office/powerpoint/2010/main" val="2415087700"/>
+        <p14:creationId xmlns:p14="http://schemas.microsoft.com/office/powerpoint/2010/main" val="9011807"/>
       </p:ext>
     </p:extLst>
   </p:cSld>
@@ -1493,7 +1493,7 @@
           <p:cNvPr id="2" name="标题 1">
             <a:extLst>
               <a:ext uri="{FF2B5EF4-FFF2-40B4-BE49-F238E27FC236}">
-                <a16:creationId xmlns:a16="http://schemas.microsoft.com/office/drawing/2014/main" id="{87D644B8-5262-21CB-DDD5-9B9EEC77612B}"/>
+                <a16:creationId xmlns:a16="http://schemas.microsoft.com/office/drawing/2014/main" id="{4E4FCEE2-7EA9-5BB9-3BD0-9A35DE08FEE3}"/>
               </a:ext>
             </a:extLst>
           </p:cNvPr>
@@ -1526,7 +1526,7 @@
           <p:cNvPr id="3" name="文本占位符 2">
             <a:extLst>
               <a:ext uri="{FF2B5EF4-FFF2-40B4-BE49-F238E27FC236}">
-                <a16:creationId xmlns:a16="http://schemas.microsoft.com/office/drawing/2014/main" id="{92BDF688-EFE5-F317-7FF8-22DF464F1BFC}"/>
+                <a16:creationId xmlns:a16="http://schemas.microsoft.com/office/drawing/2014/main" id="{B21B75C9-4286-AA52-20A5-3F909FD379C4}"/>
               </a:ext>
             </a:extLst>
           </p:cNvPr>
@@ -1597,7 +1597,7 @@
           <p:cNvPr id="4" name="内容占位符 3">
             <a:extLst>
               <a:ext uri="{FF2B5EF4-FFF2-40B4-BE49-F238E27FC236}">
-                <a16:creationId xmlns:a16="http://schemas.microsoft.com/office/drawing/2014/main" id="{9004756C-2A52-F0DE-3ED6-1E35E489406A}"/>
+                <a16:creationId xmlns:a16="http://schemas.microsoft.com/office/drawing/2014/main" id="{F0184515-CB6B-2AC8-7FE9-ECAC9F150A01}"/>
               </a:ext>
             </a:extLst>
           </p:cNvPr>
@@ -1659,7 +1659,7 @@
           <p:cNvPr id="5" name="文本占位符 4">
             <a:extLst>
               <a:ext uri="{FF2B5EF4-FFF2-40B4-BE49-F238E27FC236}">
-                <a16:creationId xmlns:a16="http://schemas.microsoft.com/office/drawing/2014/main" id="{90577870-A474-BE98-BB87-CC63236EDD49}"/>
+                <a16:creationId xmlns:a16="http://schemas.microsoft.com/office/drawing/2014/main" id="{73AAC6A6-7D5D-EB2B-A30A-E95AE6AAD540}"/>
               </a:ext>
             </a:extLst>
           </p:cNvPr>
@@ -1730,7 +1730,7 @@
           <p:cNvPr id="6" name="内容占位符 5">
             <a:extLst>
               <a:ext uri="{FF2B5EF4-FFF2-40B4-BE49-F238E27FC236}">
-                <a16:creationId xmlns:a16="http://schemas.microsoft.com/office/drawing/2014/main" id="{87AC780F-666E-F15B-3041-A28411C4C4AC}"/>
+                <a16:creationId xmlns:a16="http://schemas.microsoft.com/office/drawing/2014/main" id="{5DB65265-DC38-4191-92C5-87FF5F3415BC}"/>
               </a:ext>
             </a:extLst>
           </p:cNvPr>
@@ -1792,7 +1792,7 @@
           <p:cNvPr id="7" name="日期占位符 6">
             <a:extLst>
               <a:ext uri="{FF2B5EF4-FFF2-40B4-BE49-F238E27FC236}">
-                <a16:creationId xmlns:a16="http://schemas.microsoft.com/office/drawing/2014/main" id="{2B276E5E-DC92-C1D4-F07F-9FA00D9F972B}"/>
+                <a16:creationId xmlns:a16="http://schemas.microsoft.com/office/drawing/2014/main" id="{6D01B6C9-BE34-FA1F-3805-34B97D776655}"/>
               </a:ext>
             </a:extLst>
           </p:cNvPr>
@@ -1808,7 +1808,7 @@
           <a:bodyPr/>
           <a:lstStyle/>
           <a:p>
-            <a:fld id="{475BD5A6-295E-48BA-9FE7-3344F2499B57}" type="datetimeFigureOut">
+            <a:fld id="{A26A83E8-B5D6-4713-B4C4-A29176BF938B}" type="datetimeFigureOut">
               <a:rPr lang="zh-CN" altLang="en-US" smtClean="0"/>
               <a:t>2024/3/10</a:t>
             </a:fld>
@@ -1821,7 +1821,7 @@
           <p:cNvPr id="8" name="页脚占位符 7">
             <a:extLst>
               <a:ext uri="{FF2B5EF4-FFF2-40B4-BE49-F238E27FC236}">
-                <a16:creationId xmlns:a16="http://schemas.microsoft.com/office/drawing/2014/main" id="{CAAFBA39-CA0C-1B8D-70ED-84EBED24154F}"/>
+                <a16:creationId xmlns:a16="http://schemas.microsoft.com/office/drawing/2014/main" id="{171D6CBB-51E3-A953-5D0E-862537195478}"/>
               </a:ext>
             </a:extLst>
           </p:cNvPr>
@@ -1846,7 +1846,7 @@
           <p:cNvPr id="9" name="灯片编号占位符 8">
             <a:extLst>
               <a:ext uri="{FF2B5EF4-FFF2-40B4-BE49-F238E27FC236}">
-                <a16:creationId xmlns:a16="http://schemas.microsoft.com/office/drawing/2014/main" id="{3CEE459D-4FE6-A970-DED4-D3BCF67C275D}"/>
+                <a16:creationId xmlns:a16="http://schemas.microsoft.com/office/drawing/2014/main" id="{1D195A31-18AD-79F9-45BC-601F2C799716}"/>
               </a:ext>
             </a:extLst>
           </p:cNvPr>
@@ -1862,7 +1862,7 @@
           <a:bodyPr/>
           <a:lstStyle/>
           <a:p>
-            <a:fld id="{F6513CCC-8FB1-4AB3-9D6F-6007821C0172}" type="slidenum">
+            <a:fld id="{32AF8231-7BFC-4D22-A385-181A9009074C}" type="slidenum">
               <a:rPr lang="zh-CN" altLang="en-US" smtClean="0"/>
               <a:t>‹#›</a:t>
             </a:fld>
@@ -1873,7 +1873,7 @@
     </p:spTree>
     <p:extLst>
       <p:ext uri="{BB962C8B-B14F-4D97-AF65-F5344CB8AC3E}">
-        <p14:creationId xmlns:p14="http://schemas.microsoft.com/office/powerpoint/2010/main" val="1650625790"/>
+        <p14:creationId xmlns:p14="http://schemas.microsoft.com/office/powerpoint/2010/main" val="41557484"/>
       </p:ext>
     </p:extLst>
   </p:cSld>
@@ -1905,7 +1905,7 @@
           <p:cNvPr id="2" name="标题 1">
             <a:extLst>
               <a:ext uri="{FF2B5EF4-FFF2-40B4-BE49-F238E27FC236}">
-                <a16:creationId xmlns:a16="http://schemas.microsoft.com/office/drawing/2014/main" id="{5CB35207-0C2C-3B64-DF4B-C50739BADC9E}"/>
+                <a16:creationId xmlns:a16="http://schemas.microsoft.com/office/drawing/2014/main" id="{D1E82C63-6BEF-64B4-98E6-E66F36F3F596}"/>
               </a:ext>
             </a:extLst>
           </p:cNvPr>
@@ -1933,7 +1933,7 @@
           <p:cNvPr id="3" name="日期占位符 2">
             <a:extLst>
               <a:ext uri="{FF2B5EF4-FFF2-40B4-BE49-F238E27FC236}">
-                <a16:creationId xmlns:a16="http://schemas.microsoft.com/office/drawing/2014/main" id="{11D3E3B0-D559-5F2C-EDCA-A55AA18489D6}"/>
+                <a16:creationId xmlns:a16="http://schemas.microsoft.com/office/drawing/2014/main" id="{044B10F8-A837-8920-C0A7-1C8C29419C9B}"/>
               </a:ext>
             </a:extLst>
           </p:cNvPr>
@@ -1949,7 +1949,7 @@
           <a:bodyPr/>
           <a:lstStyle/>
           <a:p>
-            <a:fld id="{475BD5A6-295E-48BA-9FE7-3344F2499B57}" type="datetimeFigureOut">
+            <a:fld id="{A26A83E8-B5D6-4713-B4C4-A29176BF938B}" type="datetimeFigureOut">
               <a:rPr lang="zh-CN" altLang="en-US" smtClean="0"/>
               <a:t>2024/3/10</a:t>
             </a:fld>
@@ -1962,7 +1962,7 @@
           <p:cNvPr id="4" name="页脚占位符 3">
             <a:extLst>
               <a:ext uri="{FF2B5EF4-FFF2-40B4-BE49-F238E27FC236}">
-                <a16:creationId xmlns:a16="http://schemas.microsoft.com/office/drawing/2014/main" id="{7EE99A4F-1318-69F1-6E90-4508EBAB3AF7}"/>
+                <a16:creationId xmlns:a16="http://schemas.microsoft.com/office/drawing/2014/main" id="{4BB972BC-4B6A-4CC5-D156-AAD014A54235}"/>
               </a:ext>
             </a:extLst>
           </p:cNvPr>
@@ -1987,7 +1987,7 @@
           <p:cNvPr id="5" name="灯片编号占位符 4">
             <a:extLst>
               <a:ext uri="{FF2B5EF4-FFF2-40B4-BE49-F238E27FC236}">
-                <a16:creationId xmlns:a16="http://schemas.microsoft.com/office/drawing/2014/main" id="{5478E85D-F53D-DA4D-DD73-1935AEFA6021}"/>
+                <a16:creationId xmlns:a16="http://schemas.microsoft.com/office/drawing/2014/main" id="{4E1A6EF4-E8D2-ECFE-2AF4-4DB9CD9D08E8}"/>
               </a:ext>
             </a:extLst>
           </p:cNvPr>
@@ -2003,7 +2003,7 @@
           <a:bodyPr/>
           <a:lstStyle/>
           <a:p>
-            <a:fld id="{F6513CCC-8FB1-4AB3-9D6F-6007821C0172}" type="slidenum">
+            <a:fld id="{32AF8231-7BFC-4D22-A385-181A9009074C}" type="slidenum">
               <a:rPr lang="zh-CN" altLang="en-US" smtClean="0"/>
               <a:t>‹#›</a:t>
             </a:fld>
@@ -2014,7 +2014,7 @@
     </p:spTree>
     <p:extLst>
       <p:ext uri="{BB962C8B-B14F-4D97-AF65-F5344CB8AC3E}">
-        <p14:creationId xmlns:p14="http://schemas.microsoft.com/office/powerpoint/2010/main" val="2885356252"/>
+        <p14:creationId xmlns:p14="http://schemas.microsoft.com/office/powerpoint/2010/main" val="2473355068"/>
       </p:ext>
     </p:extLst>
   </p:cSld>
@@ -2046,7 +2046,7 @@
           <p:cNvPr id="2" name="日期占位符 1">
             <a:extLst>
               <a:ext uri="{FF2B5EF4-FFF2-40B4-BE49-F238E27FC236}">
-                <a16:creationId xmlns:a16="http://schemas.microsoft.com/office/drawing/2014/main" id="{BAA75ED4-FBBE-723C-D8DA-CFA05F0AFCE3}"/>
+                <a16:creationId xmlns:a16="http://schemas.microsoft.com/office/drawing/2014/main" id="{F233EDF1-BB52-900C-9BD7-53FD378C8DDB}"/>
               </a:ext>
             </a:extLst>
           </p:cNvPr>
@@ -2062,7 +2062,7 @@
           <a:bodyPr/>
           <a:lstStyle/>
           <a:p>
-            <a:fld id="{475BD5A6-295E-48BA-9FE7-3344F2499B57}" type="datetimeFigureOut">
+            <a:fld id="{A26A83E8-B5D6-4713-B4C4-A29176BF938B}" type="datetimeFigureOut">
               <a:rPr lang="zh-CN" altLang="en-US" smtClean="0"/>
               <a:t>2024/3/10</a:t>
             </a:fld>
@@ -2075,7 +2075,7 @@
           <p:cNvPr id="3" name="页脚占位符 2">
             <a:extLst>
               <a:ext uri="{FF2B5EF4-FFF2-40B4-BE49-F238E27FC236}">
-                <a16:creationId xmlns:a16="http://schemas.microsoft.com/office/drawing/2014/main" id="{5D958FC9-468B-8F16-49FD-EBF6E749700E}"/>
+                <a16:creationId xmlns:a16="http://schemas.microsoft.com/office/drawing/2014/main" id="{66F4CB8C-A7F1-B63B-D011-1152E8D9E67C}"/>
               </a:ext>
             </a:extLst>
           </p:cNvPr>
@@ -2100,7 +2100,7 @@
           <p:cNvPr id="4" name="灯片编号占位符 3">
             <a:extLst>
               <a:ext uri="{FF2B5EF4-FFF2-40B4-BE49-F238E27FC236}">
-                <a16:creationId xmlns:a16="http://schemas.microsoft.com/office/drawing/2014/main" id="{B6B34BFF-284C-DA8C-B4B6-E0D21FEB2ACF}"/>
+                <a16:creationId xmlns:a16="http://schemas.microsoft.com/office/drawing/2014/main" id="{A95570D0-CEA8-4870-4AD4-31F04625DB98}"/>
               </a:ext>
             </a:extLst>
           </p:cNvPr>
@@ -2116,7 +2116,7 @@
           <a:bodyPr/>
           <a:lstStyle/>
           <a:p>
-            <a:fld id="{F6513CCC-8FB1-4AB3-9D6F-6007821C0172}" type="slidenum">
+            <a:fld id="{32AF8231-7BFC-4D22-A385-181A9009074C}" type="slidenum">
               <a:rPr lang="zh-CN" altLang="en-US" smtClean="0"/>
               <a:t>‹#›</a:t>
             </a:fld>
@@ -2127,7 +2127,7 @@
     </p:spTree>
     <p:extLst>
       <p:ext uri="{BB962C8B-B14F-4D97-AF65-F5344CB8AC3E}">
-        <p14:creationId xmlns:p14="http://schemas.microsoft.com/office/powerpoint/2010/main" val="475689423"/>
+        <p14:creationId xmlns:p14="http://schemas.microsoft.com/office/powerpoint/2010/main" val="514608199"/>
       </p:ext>
     </p:extLst>
   </p:cSld>
@@ -2159,7 +2159,7 @@
           <p:cNvPr id="2" name="标题 1">
             <a:extLst>
               <a:ext uri="{FF2B5EF4-FFF2-40B4-BE49-F238E27FC236}">
-                <a16:creationId xmlns:a16="http://schemas.microsoft.com/office/drawing/2014/main" id="{D92AA1AF-57C3-4F2D-F268-97DA15D59D98}"/>
+                <a16:creationId xmlns:a16="http://schemas.microsoft.com/office/drawing/2014/main" id="{109655A5-9A82-14A3-ACC4-20FD46B2ADE0}"/>
               </a:ext>
             </a:extLst>
           </p:cNvPr>
@@ -2196,7 +2196,7 @@
           <p:cNvPr id="3" name="内容占位符 2">
             <a:extLst>
               <a:ext uri="{FF2B5EF4-FFF2-40B4-BE49-F238E27FC236}">
-                <a16:creationId xmlns:a16="http://schemas.microsoft.com/office/drawing/2014/main" id="{CDE8C4AB-CBFC-4121-C633-6453E8A48E5B}"/>
+                <a16:creationId xmlns:a16="http://schemas.microsoft.com/office/drawing/2014/main" id="{0DAA884D-EDDC-7B05-71D7-9EF596B3CEB7}"/>
               </a:ext>
             </a:extLst>
           </p:cNvPr>
@@ -2286,7 +2286,7 @@
           <p:cNvPr id="4" name="文本占位符 3">
             <a:extLst>
               <a:ext uri="{FF2B5EF4-FFF2-40B4-BE49-F238E27FC236}">
-                <a16:creationId xmlns:a16="http://schemas.microsoft.com/office/drawing/2014/main" id="{A7A5B0AE-0F62-9EFB-1739-8C82F99F3C69}"/>
+                <a16:creationId xmlns:a16="http://schemas.microsoft.com/office/drawing/2014/main" id="{0F768AD7-C070-D661-3A72-622B610FFFE5}"/>
               </a:ext>
             </a:extLst>
           </p:cNvPr>
@@ -2357,7 +2357,7 @@
           <p:cNvPr id="5" name="日期占位符 4">
             <a:extLst>
               <a:ext uri="{FF2B5EF4-FFF2-40B4-BE49-F238E27FC236}">
-                <a16:creationId xmlns:a16="http://schemas.microsoft.com/office/drawing/2014/main" id="{FA7BC72B-01C1-CC86-EA5B-116FD1D64CC6}"/>
+                <a16:creationId xmlns:a16="http://schemas.microsoft.com/office/drawing/2014/main" id="{80468415-68D2-6D7D-7372-0BDA7FC56EF2}"/>
               </a:ext>
             </a:extLst>
           </p:cNvPr>
@@ -2373,7 +2373,7 @@
           <a:bodyPr/>
           <a:lstStyle/>
           <a:p>
-            <a:fld id="{475BD5A6-295E-48BA-9FE7-3344F2499B57}" type="datetimeFigureOut">
+            <a:fld id="{A26A83E8-B5D6-4713-B4C4-A29176BF938B}" type="datetimeFigureOut">
               <a:rPr lang="zh-CN" altLang="en-US" smtClean="0"/>
               <a:t>2024/3/10</a:t>
             </a:fld>
@@ -2386,7 +2386,7 @@
           <p:cNvPr id="6" name="页脚占位符 5">
             <a:extLst>
               <a:ext uri="{FF2B5EF4-FFF2-40B4-BE49-F238E27FC236}">
-                <a16:creationId xmlns:a16="http://schemas.microsoft.com/office/drawing/2014/main" id="{57B13F07-383A-CD4F-2A2E-63C048BC791B}"/>
+                <a16:creationId xmlns:a16="http://schemas.microsoft.com/office/drawing/2014/main" id="{6543A3DF-0D71-0245-8210-0E90A1B3D6F2}"/>
               </a:ext>
             </a:extLst>
           </p:cNvPr>
@@ -2411,7 +2411,7 @@
           <p:cNvPr id="7" name="灯片编号占位符 6">
             <a:extLst>
               <a:ext uri="{FF2B5EF4-FFF2-40B4-BE49-F238E27FC236}">
-                <a16:creationId xmlns:a16="http://schemas.microsoft.com/office/drawing/2014/main" id="{CB6275E5-7CC6-8423-018E-4A63A04FA189}"/>
+                <a16:creationId xmlns:a16="http://schemas.microsoft.com/office/drawing/2014/main" id="{B003C5CD-3C88-8028-C792-10DDE2919744}"/>
               </a:ext>
             </a:extLst>
           </p:cNvPr>
@@ -2427,7 +2427,7 @@
           <a:bodyPr/>
           <a:lstStyle/>
           <a:p>
-            <a:fld id="{F6513CCC-8FB1-4AB3-9D6F-6007821C0172}" type="slidenum">
+            <a:fld id="{32AF8231-7BFC-4D22-A385-181A9009074C}" type="slidenum">
               <a:rPr lang="zh-CN" altLang="en-US" smtClean="0"/>
               <a:t>‹#›</a:t>
             </a:fld>
@@ -2438,7 +2438,7 @@
     </p:spTree>
     <p:extLst>
       <p:ext uri="{BB962C8B-B14F-4D97-AF65-F5344CB8AC3E}">
-        <p14:creationId xmlns:p14="http://schemas.microsoft.com/office/powerpoint/2010/main" val="1402538107"/>
+        <p14:creationId xmlns:p14="http://schemas.microsoft.com/office/powerpoint/2010/main" val="2166304419"/>
       </p:ext>
     </p:extLst>
   </p:cSld>
@@ -2470,7 +2470,7 @@
           <p:cNvPr id="2" name="标题 1">
             <a:extLst>
               <a:ext uri="{FF2B5EF4-FFF2-40B4-BE49-F238E27FC236}">
-                <a16:creationId xmlns:a16="http://schemas.microsoft.com/office/drawing/2014/main" id="{E19AFF7A-BD69-CAC7-1CDD-46271B919043}"/>
+                <a16:creationId xmlns:a16="http://schemas.microsoft.com/office/drawing/2014/main" id="{6E0D3ECE-FEB2-9389-DFC8-55F34E5C787C}"/>
               </a:ext>
             </a:extLst>
           </p:cNvPr>
@@ -2507,7 +2507,7 @@
           <p:cNvPr id="3" name="图片占位符 2">
             <a:extLst>
               <a:ext uri="{FF2B5EF4-FFF2-40B4-BE49-F238E27FC236}">
-                <a16:creationId xmlns:a16="http://schemas.microsoft.com/office/drawing/2014/main" id="{8834FEA0-9C4E-8AE7-6A16-FC8608899E9F}"/>
+                <a16:creationId xmlns:a16="http://schemas.microsoft.com/office/drawing/2014/main" id="{0D252FBF-40EF-DCD2-DABA-ADDE5066E802}"/>
               </a:ext>
             </a:extLst>
           </p:cNvPr>
@@ -2574,7 +2574,7 @@
           <p:cNvPr id="4" name="文本占位符 3">
             <a:extLst>
               <a:ext uri="{FF2B5EF4-FFF2-40B4-BE49-F238E27FC236}">
-                <a16:creationId xmlns:a16="http://schemas.microsoft.com/office/drawing/2014/main" id="{B14E2BE9-2F6C-7C8F-CAE7-73F69AD1B27F}"/>
+                <a16:creationId xmlns:a16="http://schemas.microsoft.com/office/drawing/2014/main" id="{D909FD30-56CB-D62E-51BC-B1C60A6B227B}"/>
               </a:ext>
             </a:extLst>
           </p:cNvPr>
@@ -2645,7 +2645,7 @@
           <p:cNvPr id="5" name="日期占位符 4">
             <a:extLst>
               <a:ext uri="{FF2B5EF4-FFF2-40B4-BE49-F238E27FC236}">
-                <a16:creationId xmlns:a16="http://schemas.microsoft.com/office/drawing/2014/main" id="{B47E1C85-95CF-6F36-F9D0-71A2E6B4C5D6}"/>
+                <a16:creationId xmlns:a16="http://schemas.microsoft.com/office/drawing/2014/main" id="{ED7DE857-31DD-65E0-C6E4-859BDAF68F22}"/>
               </a:ext>
             </a:extLst>
           </p:cNvPr>
@@ -2661,7 +2661,7 @@
           <a:bodyPr/>
           <a:lstStyle/>
           <a:p>
-            <a:fld id="{475BD5A6-295E-48BA-9FE7-3344F2499B57}" type="datetimeFigureOut">
+            <a:fld id="{A26A83E8-B5D6-4713-B4C4-A29176BF938B}" type="datetimeFigureOut">
               <a:rPr lang="zh-CN" altLang="en-US" smtClean="0"/>
               <a:t>2024/3/10</a:t>
             </a:fld>
@@ -2674,7 +2674,7 @@
           <p:cNvPr id="6" name="页脚占位符 5">
             <a:extLst>
               <a:ext uri="{FF2B5EF4-FFF2-40B4-BE49-F238E27FC236}">
-                <a16:creationId xmlns:a16="http://schemas.microsoft.com/office/drawing/2014/main" id="{0CA69E98-BE00-11F3-1F0B-731CB5106F12}"/>
+                <a16:creationId xmlns:a16="http://schemas.microsoft.com/office/drawing/2014/main" id="{C4A1B8A3-FB64-4920-AAC2-9178D39FA166}"/>
               </a:ext>
             </a:extLst>
           </p:cNvPr>
@@ -2699,7 +2699,7 @@
           <p:cNvPr id="7" name="灯片编号占位符 6">
             <a:extLst>
               <a:ext uri="{FF2B5EF4-FFF2-40B4-BE49-F238E27FC236}">
-                <a16:creationId xmlns:a16="http://schemas.microsoft.com/office/drawing/2014/main" id="{063D48BE-04CE-E031-B056-261436D6D8D5}"/>
+                <a16:creationId xmlns:a16="http://schemas.microsoft.com/office/drawing/2014/main" id="{4B82E303-850A-7878-FAC9-4AC30C1F96CC}"/>
               </a:ext>
             </a:extLst>
           </p:cNvPr>
@@ -2715,7 +2715,7 @@
           <a:bodyPr/>
           <a:lstStyle/>
           <a:p>
-            <a:fld id="{F6513CCC-8FB1-4AB3-9D6F-6007821C0172}" type="slidenum">
+            <a:fld id="{32AF8231-7BFC-4D22-A385-181A9009074C}" type="slidenum">
               <a:rPr lang="zh-CN" altLang="en-US" smtClean="0"/>
               <a:t>‹#›</a:t>
             </a:fld>
@@ -2726,7 +2726,7 @@
     </p:spTree>
     <p:extLst>
       <p:ext uri="{BB962C8B-B14F-4D97-AF65-F5344CB8AC3E}">
-        <p14:creationId xmlns:p14="http://schemas.microsoft.com/office/powerpoint/2010/main" val="3586556839"/>
+        <p14:creationId xmlns:p14="http://schemas.microsoft.com/office/powerpoint/2010/main" val="178816850"/>
       </p:ext>
     </p:extLst>
   </p:cSld>
@@ -2763,7 +2763,7 @@
           <p:cNvPr id="2" name="标题占位符 1">
             <a:extLst>
               <a:ext uri="{FF2B5EF4-FFF2-40B4-BE49-F238E27FC236}">
-                <a16:creationId xmlns:a16="http://schemas.microsoft.com/office/drawing/2014/main" id="{DC92DBE2-4CA4-2A73-E71B-DB8462AD6B99}"/>
+                <a16:creationId xmlns:a16="http://schemas.microsoft.com/office/drawing/2014/main" id="{4D7DDE5D-5B34-928E-0409-9959C8F261E6}"/>
               </a:ext>
             </a:extLst>
           </p:cNvPr>
@@ -2801,7 +2801,7 @@
           <p:cNvPr id="3" name="文本占位符 2">
             <a:extLst>
               <a:ext uri="{FF2B5EF4-FFF2-40B4-BE49-F238E27FC236}">
-                <a16:creationId xmlns:a16="http://schemas.microsoft.com/office/drawing/2014/main" id="{0D78063D-0935-9DFB-998F-BD44A842C90E}"/>
+                <a16:creationId xmlns:a16="http://schemas.microsoft.com/office/drawing/2014/main" id="{CF01DC93-8D65-542C-562D-99A45F9949EB}"/>
               </a:ext>
             </a:extLst>
           </p:cNvPr>
@@ -2868,7 +2868,7 @@
           <p:cNvPr id="4" name="日期占位符 3">
             <a:extLst>
               <a:ext uri="{FF2B5EF4-FFF2-40B4-BE49-F238E27FC236}">
-                <a16:creationId xmlns:a16="http://schemas.microsoft.com/office/drawing/2014/main" id="{3ACB268D-EC00-EF20-4206-CA217452B4AA}"/>
+                <a16:creationId xmlns:a16="http://schemas.microsoft.com/office/drawing/2014/main" id="{9FBD56E7-227D-4AD2-767E-3D0106C6611F}"/>
               </a:ext>
             </a:extLst>
           </p:cNvPr>
@@ -2902,7 +2902,7 @@
             </a:lvl1pPr>
           </a:lstStyle>
           <a:p>
-            <a:fld id="{475BD5A6-295E-48BA-9FE7-3344F2499B57}" type="datetimeFigureOut">
+            <a:fld id="{A26A83E8-B5D6-4713-B4C4-A29176BF938B}" type="datetimeFigureOut">
               <a:rPr lang="zh-CN" altLang="en-US" smtClean="0"/>
               <a:t>2024/3/10</a:t>
             </a:fld>
@@ -2915,7 +2915,7 @@
           <p:cNvPr id="5" name="页脚占位符 4">
             <a:extLst>
               <a:ext uri="{FF2B5EF4-FFF2-40B4-BE49-F238E27FC236}">
-                <a16:creationId xmlns:a16="http://schemas.microsoft.com/office/drawing/2014/main" id="{361A2810-25B3-AD1D-F36B-705A70C7234E}"/>
+                <a16:creationId xmlns:a16="http://schemas.microsoft.com/office/drawing/2014/main" id="{D0896B94-952E-7045-A80A-A095CCF86BF1}"/>
               </a:ext>
             </a:extLst>
           </p:cNvPr>
@@ -2958,7 +2958,7 @@
           <p:cNvPr id="6" name="灯片编号占位符 5">
             <a:extLst>
               <a:ext uri="{FF2B5EF4-FFF2-40B4-BE49-F238E27FC236}">
-                <a16:creationId xmlns:a16="http://schemas.microsoft.com/office/drawing/2014/main" id="{206400B2-4BAE-BB15-B490-40817A48C4FA}"/>
+                <a16:creationId xmlns:a16="http://schemas.microsoft.com/office/drawing/2014/main" id="{06C6983A-2AE4-CE90-8F88-F0AFDCE5AA79}"/>
               </a:ext>
             </a:extLst>
           </p:cNvPr>
@@ -2992,7 +2992,7 @@
             </a:lvl1pPr>
           </a:lstStyle>
           <a:p>
-            <a:fld id="{F6513CCC-8FB1-4AB3-9D6F-6007821C0172}" type="slidenum">
+            <a:fld id="{32AF8231-7BFC-4D22-A385-181A9009074C}" type="slidenum">
               <a:rPr lang="zh-CN" altLang="en-US" smtClean="0"/>
               <a:t>‹#›</a:t>
             </a:fld>
@@ -3003,7 +3003,7 @@
     </p:spTree>
     <p:extLst>
       <p:ext uri="{BB962C8B-B14F-4D97-AF65-F5344CB8AC3E}">
-        <p14:creationId xmlns:p14="http://schemas.microsoft.com/office/powerpoint/2010/main" val="2726575289"/>
+        <p14:creationId xmlns:p14="http://schemas.microsoft.com/office/powerpoint/2010/main" val="3770871153"/>
       </p:ext>
     </p:extLst>
   </p:cSld>
